--- a/doc/Tutorial-v1.0.pptx
+++ b/doc/Tutorial-v1.0.pptx
@@ -310,7 +310,7 @@
           <a:p>
             <a:fld id="{0F858E09-37EA-7744-8B8C-EB59E5910755}" type="datetimeFigureOut">
               <a:rPr lang="en-US" smtClean="0"/>
-              <a:t>5/12/16</a:t>
+              <a:t>5/13/16</a:t>
             </a:fld>
             <a:endParaRPr lang="en-US"/>
           </a:p>
@@ -480,7 +480,7 @@
           <a:p>
             <a:fld id="{0F858E09-37EA-7744-8B8C-EB59E5910755}" type="datetimeFigureOut">
               <a:rPr lang="en-US" smtClean="0"/>
-              <a:t>5/12/16</a:t>
+              <a:t>5/13/16</a:t>
             </a:fld>
             <a:endParaRPr lang="en-US"/>
           </a:p>
@@ -660,7 +660,7 @@
           <a:p>
             <a:fld id="{0F858E09-37EA-7744-8B8C-EB59E5910755}" type="datetimeFigureOut">
               <a:rPr lang="en-US" smtClean="0"/>
-              <a:t>5/12/16</a:t>
+              <a:t>5/13/16</a:t>
             </a:fld>
             <a:endParaRPr lang="en-US"/>
           </a:p>
@@ -830,7 +830,7 @@
           <a:p>
             <a:fld id="{0F858E09-37EA-7744-8B8C-EB59E5910755}" type="datetimeFigureOut">
               <a:rPr lang="en-US" smtClean="0"/>
-              <a:t>5/12/16</a:t>
+              <a:t>5/13/16</a:t>
             </a:fld>
             <a:endParaRPr lang="en-US"/>
           </a:p>
@@ -1076,7 +1076,7 @@
           <a:p>
             <a:fld id="{0F858E09-37EA-7744-8B8C-EB59E5910755}" type="datetimeFigureOut">
               <a:rPr lang="en-US" smtClean="0"/>
-              <a:t>5/12/16</a:t>
+              <a:t>5/13/16</a:t>
             </a:fld>
             <a:endParaRPr lang="en-US"/>
           </a:p>
@@ -1364,7 +1364,7 @@
           <a:p>
             <a:fld id="{0F858E09-37EA-7744-8B8C-EB59E5910755}" type="datetimeFigureOut">
               <a:rPr lang="en-US" smtClean="0"/>
-              <a:t>5/12/16</a:t>
+              <a:t>5/13/16</a:t>
             </a:fld>
             <a:endParaRPr lang="en-US"/>
           </a:p>
@@ -1786,7 +1786,7 @@
           <a:p>
             <a:fld id="{0F858E09-37EA-7744-8B8C-EB59E5910755}" type="datetimeFigureOut">
               <a:rPr lang="en-US" smtClean="0"/>
-              <a:t>5/12/16</a:t>
+              <a:t>5/13/16</a:t>
             </a:fld>
             <a:endParaRPr lang="en-US"/>
           </a:p>
@@ -1904,7 +1904,7 @@
           <a:p>
             <a:fld id="{0F858E09-37EA-7744-8B8C-EB59E5910755}" type="datetimeFigureOut">
               <a:rPr lang="en-US" smtClean="0"/>
-              <a:t>5/12/16</a:t>
+              <a:t>5/13/16</a:t>
             </a:fld>
             <a:endParaRPr lang="en-US"/>
           </a:p>
@@ -1999,7 +1999,7 @@
           <a:p>
             <a:fld id="{0F858E09-37EA-7744-8B8C-EB59E5910755}" type="datetimeFigureOut">
               <a:rPr lang="en-US" smtClean="0"/>
-              <a:t>5/12/16</a:t>
+              <a:t>5/13/16</a:t>
             </a:fld>
             <a:endParaRPr lang="en-US"/>
           </a:p>
@@ -2276,7 +2276,7 @@
           <a:p>
             <a:fld id="{0F858E09-37EA-7744-8B8C-EB59E5910755}" type="datetimeFigureOut">
               <a:rPr lang="en-US" smtClean="0"/>
-              <a:t>5/12/16</a:t>
+              <a:t>5/13/16</a:t>
             </a:fld>
             <a:endParaRPr lang="en-US"/>
           </a:p>
@@ -2529,7 +2529,7 @@
           <a:p>
             <a:fld id="{0F858E09-37EA-7744-8B8C-EB59E5910755}" type="datetimeFigureOut">
               <a:rPr lang="en-US" smtClean="0"/>
-              <a:t>5/12/16</a:t>
+              <a:t>5/13/16</a:t>
             </a:fld>
             <a:endParaRPr lang="en-US"/>
           </a:p>
@@ -2742,7 +2742,7 @@
           <a:p>
             <a:fld id="{0F858E09-37EA-7744-8B8C-EB59E5910755}" type="datetimeFigureOut">
               <a:rPr lang="en-US" smtClean="0"/>
-              <a:t>5/12/16</a:t>
+              <a:t>5/13/16</a:t>
             </a:fld>
             <a:endParaRPr lang="en-US"/>
           </a:p>
@@ -3365,11 +3365,7 @@
             </a:pPr>
             <a:r>
               <a:rPr lang="en-US" dirty="0" smtClean="0"/>
-              <a:t>Computes OCP, and it</a:t>
-            </a:r>
-            <a:r>
-              <a:rPr lang="en-US" dirty="0" smtClean="0"/>
-              <a:t>’s derivative.</a:t>
+              <a:t>Computes OCP, and it’s derivative.</a:t>
             </a:r>
             <a:endParaRPr lang="en-US" dirty="0"/>
           </a:p>
@@ -3602,11 +3598,7 @@
             </a:pPr>
             <a:r>
               <a:rPr lang="en-US" dirty="0" smtClean="0"/>
-              <a:t>Computes conductivity/diffusivity and it</a:t>
-            </a:r>
-            <a:r>
-              <a:rPr lang="en-US" dirty="0" smtClean="0"/>
-              <a:t>’s derivative</a:t>
+              <a:t>Computes conductivity/diffusivity and it’s derivative</a:t>
             </a:r>
             <a:endParaRPr lang="en-US" dirty="0"/>
           </a:p>
@@ -3782,11 +3774,6 @@
               </a:rPr>
               <a:t>Input current data</a:t>
             </a:r>
-            <a:endParaRPr lang="en-US" dirty="0" smtClean="0">
-              <a:solidFill>
-                <a:srgbClr val="FF0000"/>
-              </a:solidFill>
-            </a:endParaRPr>
           </a:p>
           <a:p>
             <a:pPr marL="514350" indent="-514350">
@@ -4243,7 +4230,6 @@
               <a:rPr lang="en-US" dirty="0" smtClean="0"/>
               <a:t>Input current data</a:t>
             </a:r>
-            <a:endParaRPr lang="en-US" dirty="0" smtClean="0"/>
           </a:p>
           <a:p>
             <a:pPr marL="514350" indent="-514350">
@@ -5088,7 +5074,6 @@
               <a:rPr lang="en-US" dirty="0" smtClean="0"/>
               <a:t>Input current data</a:t>
             </a:r>
-            <a:endParaRPr lang="en-US" dirty="0" smtClean="0"/>
           </a:p>
           <a:p>
             <a:pPr marL="514350" indent="-514350">
@@ -5908,7 +5893,6 @@
               <a:rPr lang="en-US" dirty="0" smtClean="0"/>
               <a:t>Input current data</a:t>
             </a:r>
-            <a:endParaRPr lang="en-US" dirty="0" smtClean="0"/>
           </a:p>
           <a:p>
             <a:pPr marL="514350" indent="-514350">
@@ -6175,15 +6159,7 @@
             </a:r>
             <a:r>
               <a:rPr lang="en-US" dirty="0" smtClean="0"/>
-              <a:t>/m</a:t>
-            </a:r>
-            <a:r>
-              <a:rPr lang="en-US" dirty="0" smtClean="0"/>
-              <a:t>^3</a:t>
-            </a:r>
-            <a:r>
-              <a:rPr lang="en-US" dirty="0" smtClean="0"/>
-              <a:t>]</a:t>
+              <a:t>/m^3]</a:t>
             </a:r>
           </a:p>
           <a:p>
@@ -6538,7 +6514,6 @@
               <a:rPr lang="en-US" dirty="0" smtClean="0"/>
               <a:t>Input current data</a:t>
             </a:r>
-            <a:endParaRPr lang="en-US" dirty="0" smtClean="0"/>
           </a:p>
           <a:p>
             <a:pPr marL="514350" indent="-514350">
